--- a/Java in Education For JUGs Without Notes.pptx
+++ b/Java in Education For JUGs Without Notes.pptx
@@ -12945,7 +12945,7 @@
         <a:p>
           <a:r>
             <a:rPr lang="en-CA" dirty="0"/>
-            <a:t>The length of the load expressed in months called the term</a:t>
+            <a:t>The length of the loan expressed in months called the term</a:t>
           </a:r>
           <a:endParaRPr lang="en-US" dirty="0"/>
         </a:p>
@@ -18752,7 +18752,7 @@
           </a:pPr>
           <a:r>
             <a:rPr lang="en-CA" sz="2100" kern="1200" dirty="0"/>
-            <a:t>The length of the load expressed in months called the term</a:t>
+            <a:t>The length of the loan expressed in months called the term</a:t>
           </a:r>
           <a:endParaRPr lang="en-US" sz="2100" kern="1200" dirty="0"/>
         </a:p>
@@ -33073,7 +33073,7 @@
           <a:p>
             <a:fld id="{38056CE0-E3A8-4B04-85A3-E31915DD9E24}" type="datetimeFigureOut">
               <a:rPr lang="en-CA" smtClean="0"/>
-              <a:t>2020-07-08</a:t>
+              <a:t>2020-07-09</a:t>
             </a:fld>
             <a:endParaRPr lang="en-CA"/>
           </a:p>
@@ -35926,7 +35926,7 @@
           <a:p>
             <a:fld id="{34109114-E13B-445C-81F4-3F8D639FE469}" type="datetimeFigureOut">
               <a:rPr lang="en-CA" smtClean="0"/>
-              <a:t>2020-07-08</a:t>
+              <a:t>2020-07-09</a:t>
             </a:fld>
             <a:endParaRPr lang="en-CA"/>
           </a:p>
@@ -36126,7 +36126,7 @@
           <a:p>
             <a:fld id="{34109114-E13B-445C-81F4-3F8D639FE469}" type="datetimeFigureOut">
               <a:rPr lang="en-CA" smtClean="0"/>
-              <a:t>2020-07-08</a:t>
+              <a:t>2020-07-09</a:t>
             </a:fld>
             <a:endParaRPr lang="en-CA"/>
           </a:p>
@@ -36336,7 +36336,7 @@
           <a:p>
             <a:fld id="{34109114-E13B-445C-81F4-3F8D639FE469}" type="datetimeFigureOut">
               <a:rPr lang="en-CA" smtClean="0"/>
-              <a:t>2020-07-08</a:t>
+              <a:t>2020-07-09</a:t>
             </a:fld>
             <a:endParaRPr lang="en-CA"/>
           </a:p>
@@ -36536,7 +36536,7 @@
           <a:p>
             <a:fld id="{34109114-E13B-445C-81F4-3F8D639FE469}" type="datetimeFigureOut">
               <a:rPr lang="en-CA" smtClean="0"/>
-              <a:t>2020-07-08</a:t>
+              <a:t>2020-07-09</a:t>
             </a:fld>
             <a:endParaRPr lang="en-CA"/>
           </a:p>
@@ -36812,7 +36812,7 @@
           <a:p>
             <a:fld id="{34109114-E13B-445C-81F4-3F8D639FE469}" type="datetimeFigureOut">
               <a:rPr lang="en-CA" smtClean="0"/>
-              <a:t>2020-07-08</a:t>
+              <a:t>2020-07-09</a:t>
             </a:fld>
             <a:endParaRPr lang="en-CA"/>
           </a:p>
@@ -37080,7 +37080,7 @@
           <a:p>
             <a:fld id="{34109114-E13B-445C-81F4-3F8D639FE469}" type="datetimeFigureOut">
               <a:rPr lang="en-CA" smtClean="0"/>
-              <a:t>2020-07-08</a:t>
+              <a:t>2020-07-09</a:t>
             </a:fld>
             <a:endParaRPr lang="en-CA"/>
           </a:p>
@@ -37495,7 +37495,7 @@
           <a:p>
             <a:fld id="{34109114-E13B-445C-81F4-3F8D639FE469}" type="datetimeFigureOut">
               <a:rPr lang="en-CA" smtClean="0"/>
-              <a:t>2020-07-08</a:t>
+              <a:t>2020-07-09</a:t>
             </a:fld>
             <a:endParaRPr lang="en-CA"/>
           </a:p>
@@ -37637,7 +37637,7 @@
           <a:p>
             <a:fld id="{34109114-E13B-445C-81F4-3F8D639FE469}" type="datetimeFigureOut">
               <a:rPr lang="en-CA" smtClean="0"/>
-              <a:t>2020-07-08</a:t>
+              <a:t>2020-07-09</a:t>
             </a:fld>
             <a:endParaRPr lang="en-CA"/>
           </a:p>
@@ -37750,7 +37750,7 @@
           <a:p>
             <a:fld id="{34109114-E13B-445C-81F4-3F8D639FE469}" type="datetimeFigureOut">
               <a:rPr lang="en-CA" smtClean="0"/>
-              <a:t>2020-07-08</a:t>
+              <a:t>2020-07-09</a:t>
             </a:fld>
             <a:endParaRPr lang="en-CA"/>
           </a:p>
@@ -38063,7 +38063,7 @@
           <a:p>
             <a:fld id="{34109114-E13B-445C-81F4-3F8D639FE469}" type="datetimeFigureOut">
               <a:rPr lang="en-CA" smtClean="0"/>
-              <a:t>2020-07-08</a:t>
+              <a:t>2020-07-09</a:t>
             </a:fld>
             <a:endParaRPr lang="en-CA"/>
           </a:p>
@@ -38352,7 +38352,7 @@
           <a:p>
             <a:fld id="{34109114-E13B-445C-81F4-3F8D639FE469}" type="datetimeFigureOut">
               <a:rPr lang="en-CA" smtClean="0"/>
-              <a:t>2020-07-08</a:t>
+              <a:t>2020-07-09</a:t>
             </a:fld>
             <a:endParaRPr lang="en-CA"/>
           </a:p>
@@ -38595,7 +38595,7 @@
           <a:p>
             <a:fld id="{34109114-E13B-445C-81F4-3F8D639FE469}" type="datetimeFigureOut">
               <a:rPr lang="en-CA" smtClean="0"/>
-              <a:t>2020-07-08</a:t>
+              <a:t>2020-07-09</a:t>
             </a:fld>
             <a:endParaRPr lang="en-CA"/>
           </a:p>
@@ -43813,7 +43813,7 @@
             <p:ph idx="1"/>
             <p:extLst>
               <p:ext uri="{D42A27DB-BD31-4B8C-83A1-F6EECF244321}">
-                <p14:modId xmlns:p14="http://schemas.microsoft.com/office/powerpoint/2010/main" val="2969377008"/>
+                <p14:modId xmlns:p14="http://schemas.microsoft.com/office/powerpoint/2010/main" val="3838076807"/>
               </p:ext>
             </p:extLst>
           </p:nvPr>
@@ -48992,7 +48992,27 @@
                 <a:effectLst/>
                 <a:latin typeface="proxima-nova"/>
               </a:rPr>
-              <a:t>Have you seen Single-File Source-Code and under Linux have you tried shebang execution?</a:t>
+              <a:t>Have you seen Single-File Source-Code and under Linux have you tried </a:t>
+            </a:r>
+            <a:r>
+              <a:rPr lang="en-CA" sz="2800" b="1" i="1" dirty="0">
+                <a:solidFill>
+                  <a:srgbClr val="444444"/>
+                </a:solidFill>
+                <a:effectLst/>
+                <a:latin typeface="proxima-nova"/>
+              </a:rPr>
+              <a:t>shebang</a:t>
+            </a:r>
+            <a:r>
+              <a:rPr lang="en-CA" sz="2800" b="0" i="1" dirty="0">
+                <a:solidFill>
+                  <a:srgbClr val="444444"/>
+                </a:solidFill>
+                <a:effectLst/>
+                <a:latin typeface="proxima-nova"/>
+              </a:rPr>
+              <a:t> execution?</a:t>
             </a:r>
           </a:p>
           <a:p>
@@ -52706,13 +52726,13 @@
         </p:nvSpPr>
         <p:spPr>
           <a:xfrm>
-            <a:off x="4379709" y="686862"/>
-            <a:ext cx="7037591" cy="5475129"/>
+            <a:off x="4379709" y="437894"/>
+            <a:ext cx="7037591" cy="5961185"/>
           </a:xfrm>
         </p:spPr>
         <p:txBody>
           <a:bodyPr anchor="ctr">
-            <a:normAutofit lnSpcReduction="10000"/>
+            <a:normAutofit fontScale="92500" lnSpcReduction="10000"/>
           </a:bodyPr>
           <a:lstStyle/>
           <a:p>
@@ -52725,7 +52745,7 @@
                 <a:effectLst/>
                 <a:latin typeface="proxima-nova"/>
               </a:rPr>
-              <a:t>Java is an “old” language (Java 1996 &amp; Python 1991)</a:t>
+              <a:t>Java is an “old” language (Java 1995, JavaScript 1995 &amp; Python 1991)</a:t>
             </a:r>
           </a:p>
           <a:p>
@@ -52738,7 +52758,20 @@
                 <a:effectLst/>
                 <a:latin typeface="proxima-nova"/>
               </a:rPr>
-              <a:t>also means it’s established, widely used and well-documented</a:t>
+              <a:t>Not as old as old-man Python </a:t>
+            </a:r>
+          </a:p>
+          <a:p>
+            <a:pPr lvl="1"/>
+            <a:r>
+              <a:rPr lang="en-CA" sz="2800" b="0" i="1" dirty="0">
+                <a:solidFill>
+                  <a:srgbClr val="444444"/>
+                </a:solidFill>
+                <a:effectLst/>
+                <a:latin typeface="proxima-nova"/>
+              </a:rPr>
+              <a:t>Designed as a full stack language rather than as a scripting facility</a:t>
             </a:r>
           </a:p>
           <a:p>

--- a/Java in Education For JUGs Without Notes.pptx
+++ b/Java in Education For JUGs Without Notes.pptx
@@ -32896,7 +32896,7 @@
           <a:p>
             <a:fld id="{9121783E-A17C-4404-A1E8-2924B9744901}" type="datetimeFigureOut">
               <a:rPr lang="en-CA" smtClean="0"/>
-              <a:t>2020-07-09</a:t>
+              <a:t>2022-08-31</a:t>
             </a:fld>
             <a:endParaRPr lang="en-CA"/>
           </a:p>
@@ -33073,7 +33073,7 @@
           <a:p>
             <a:fld id="{38056CE0-E3A8-4B04-85A3-E31915DD9E24}" type="datetimeFigureOut">
               <a:rPr lang="en-CA" smtClean="0"/>
-              <a:t>2020-07-09</a:t>
+              <a:t>2022-08-31</a:t>
             </a:fld>
             <a:endParaRPr lang="en-CA"/>
           </a:p>
@@ -35926,7 +35926,7 @@
           <a:p>
             <a:fld id="{34109114-E13B-445C-81F4-3F8D639FE469}" type="datetimeFigureOut">
               <a:rPr lang="en-CA" smtClean="0"/>
-              <a:t>2020-07-09</a:t>
+              <a:t>2022-08-31</a:t>
             </a:fld>
             <a:endParaRPr lang="en-CA"/>
           </a:p>
@@ -36126,7 +36126,7 @@
           <a:p>
             <a:fld id="{34109114-E13B-445C-81F4-3F8D639FE469}" type="datetimeFigureOut">
               <a:rPr lang="en-CA" smtClean="0"/>
-              <a:t>2020-07-09</a:t>
+              <a:t>2022-08-31</a:t>
             </a:fld>
             <a:endParaRPr lang="en-CA"/>
           </a:p>
@@ -36336,7 +36336,7 @@
           <a:p>
             <a:fld id="{34109114-E13B-445C-81F4-3F8D639FE469}" type="datetimeFigureOut">
               <a:rPr lang="en-CA" smtClean="0"/>
-              <a:t>2020-07-09</a:t>
+              <a:t>2022-08-31</a:t>
             </a:fld>
             <a:endParaRPr lang="en-CA"/>
           </a:p>
@@ -36536,7 +36536,7 @@
           <a:p>
             <a:fld id="{34109114-E13B-445C-81F4-3F8D639FE469}" type="datetimeFigureOut">
               <a:rPr lang="en-CA" smtClean="0"/>
-              <a:t>2020-07-09</a:t>
+              <a:t>2022-08-31</a:t>
             </a:fld>
             <a:endParaRPr lang="en-CA"/>
           </a:p>
@@ -36812,7 +36812,7 @@
           <a:p>
             <a:fld id="{34109114-E13B-445C-81F4-3F8D639FE469}" type="datetimeFigureOut">
               <a:rPr lang="en-CA" smtClean="0"/>
-              <a:t>2020-07-09</a:t>
+              <a:t>2022-08-31</a:t>
             </a:fld>
             <a:endParaRPr lang="en-CA"/>
           </a:p>
@@ -37080,7 +37080,7 @@
           <a:p>
             <a:fld id="{34109114-E13B-445C-81F4-3F8D639FE469}" type="datetimeFigureOut">
               <a:rPr lang="en-CA" smtClean="0"/>
-              <a:t>2020-07-09</a:t>
+              <a:t>2022-08-31</a:t>
             </a:fld>
             <a:endParaRPr lang="en-CA"/>
           </a:p>
@@ -37495,7 +37495,7 @@
           <a:p>
             <a:fld id="{34109114-E13B-445C-81F4-3F8D639FE469}" type="datetimeFigureOut">
               <a:rPr lang="en-CA" smtClean="0"/>
-              <a:t>2020-07-09</a:t>
+              <a:t>2022-08-31</a:t>
             </a:fld>
             <a:endParaRPr lang="en-CA"/>
           </a:p>
@@ -37637,7 +37637,7 @@
           <a:p>
             <a:fld id="{34109114-E13B-445C-81F4-3F8D639FE469}" type="datetimeFigureOut">
               <a:rPr lang="en-CA" smtClean="0"/>
-              <a:t>2020-07-09</a:t>
+              <a:t>2022-08-31</a:t>
             </a:fld>
             <a:endParaRPr lang="en-CA"/>
           </a:p>
@@ -37750,7 +37750,7 @@
           <a:p>
             <a:fld id="{34109114-E13B-445C-81F4-3F8D639FE469}" type="datetimeFigureOut">
               <a:rPr lang="en-CA" smtClean="0"/>
-              <a:t>2020-07-09</a:t>
+              <a:t>2022-08-31</a:t>
             </a:fld>
             <a:endParaRPr lang="en-CA"/>
           </a:p>
@@ -38063,7 +38063,7 @@
           <a:p>
             <a:fld id="{34109114-E13B-445C-81F4-3F8D639FE469}" type="datetimeFigureOut">
               <a:rPr lang="en-CA" smtClean="0"/>
-              <a:t>2020-07-09</a:t>
+              <a:t>2022-08-31</a:t>
             </a:fld>
             <a:endParaRPr lang="en-CA"/>
           </a:p>
@@ -38352,7 +38352,7 @@
           <a:p>
             <a:fld id="{34109114-E13B-445C-81F4-3F8D639FE469}" type="datetimeFigureOut">
               <a:rPr lang="en-CA" smtClean="0"/>
-              <a:t>2020-07-09</a:t>
+              <a:t>2022-08-31</a:t>
             </a:fld>
             <a:endParaRPr lang="en-CA"/>
           </a:p>
@@ -38595,7 +38595,7 @@
           <a:p>
             <a:fld id="{34109114-E13B-445C-81F4-3F8D639FE469}" type="datetimeFigureOut">
               <a:rPr lang="en-CA" smtClean="0"/>
-              <a:t>2020-07-09</a:t>
+              <a:t>2022-08-31</a:t>
             </a:fld>
             <a:endParaRPr lang="en-CA"/>
           </a:p>
@@ -43813,7 +43813,7 @@
             <p:ph idx="1"/>
             <p:extLst>
               <p:ext uri="{D42A27DB-BD31-4B8C-83A1-F6EECF244321}">
-                <p14:modId xmlns:p14="http://schemas.microsoft.com/office/powerpoint/2010/main" val="3838076807"/>
+                <p14:modId xmlns:p14="http://schemas.microsoft.com/office/powerpoint/2010/main" val="2844108143"/>
               </p:ext>
             </p:extLst>
           </p:nvPr>
@@ -44434,8 +44434,8 @@
         </p:nvSpPr>
         <p:spPr>
           <a:xfrm rot="16200000">
-            <a:off x="-1413878" y="493995"/>
-            <a:ext cx="4608871" cy="1325563"/>
+            <a:off x="-2451254" y="2435210"/>
+            <a:ext cx="6185875" cy="1315453"/>
           </a:xfrm>
           <a:prstGeom prst="rect">
             <a:avLst/>
@@ -44469,7 +44469,7 @@
                   <a:schemeClr val="bg1"/>
                 </a:solidFill>
               </a:rPr>
-              <a:t>Basic Python</a:t>
+              <a:t>Stream of Consciousness Python</a:t>
             </a:r>
           </a:p>
         </p:txBody>
@@ -44634,7 +44634,7 @@
                 <a:latin typeface="Consolas" panose="020B0609020204030204" pitchFamily="49" charset="0"/>
                 <a:ea typeface="M+ 1m" panose="020B0509020203020207" pitchFamily="49" charset="-128"/>
               </a:rPr>
-              <a:t>        Scanner </a:t>
+              <a:t>        var </a:t>
             </a:r>
             <a:r>
               <a:rPr lang="en-CA" sz="1600" b="1" dirty="0" err="1">
@@ -44669,7 +44669,7 @@
                 <a:latin typeface="Consolas" panose="020B0609020204030204" pitchFamily="49" charset="0"/>
                 <a:ea typeface="M+ 1m" panose="020B0509020203020207" pitchFamily="49" charset="-128"/>
               </a:rPr>
-              <a:t>System.out.print</a:t>
+              <a:t>System.out.printf</a:t>
             </a:r>
             <a:r>
               <a:rPr lang="en-CA" sz="1600" b="1" dirty="0">
@@ -44690,7 +44690,7 @@
                 <a:latin typeface="Consolas" panose="020B0609020204030204" pitchFamily="49" charset="0"/>
                 <a:ea typeface="M+ 1m" panose="020B0509020203020207" pitchFamily="49" charset="-128"/>
               </a:rPr>
-              <a:t>        double loan = </a:t>
+              <a:t>        var loan = </a:t>
             </a:r>
             <a:r>
               <a:rPr lang="en-CA" sz="1600" b="1" dirty="0" err="1">
@@ -44725,7 +44725,7 @@
                 <a:latin typeface="Consolas" panose="020B0609020204030204" pitchFamily="49" charset="0"/>
                 <a:ea typeface="M+ 1m" panose="020B0509020203020207" pitchFamily="49" charset="-128"/>
               </a:rPr>
-              <a:t>System.out.print</a:t>
+              <a:t>System.out.printf</a:t>
             </a:r>
             <a:r>
               <a:rPr lang="en-CA" sz="1600" b="1" dirty="0">
@@ -44746,7 +44746,7 @@
                 <a:latin typeface="Consolas" panose="020B0609020204030204" pitchFamily="49" charset="0"/>
                 <a:ea typeface="M+ 1m" panose="020B0509020203020207" pitchFamily="49" charset="-128"/>
               </a:rPr>
-              <a:t>        double interest = </a:t>
+              <a:t>        var interest = </a:t>
             </a:r>
             <a:r>
               <a:rPr lang="en-CA" sz="1600" b="1" dirty="0" err="1">
@@ -44781,7 +44781,7 @@
                 <a:latin typeface="Consolas" panose="020B0609020204030204" pitchFamily="49" charset="0"/>
                 <a:ea typeface="M+ 1m" panose="020B0509020203020207" pitchFamily="49" charset="-128"/>
               </a:rPr>
-              <a:t>System.out.print</a:t>
+              <a:t>System.out.printf</a:t>
             </a:r>
             <a:r>
               <a:rPr lang="en-CA" sz="1600" b="1" dirty="0">
@@ -44802,7 +44802,7 @@
                 <a:latin typeface="Consolas" panose="020B0609020204030204" pitchFamily="49" charset="0"/>
                 <a:ea typeface="M+ 1m" panose="020B0509020203020207" pitchFamily="49" charset="-128"/>
               </a:rPr>
-              <a:t>        double term = </a:t>
+              <a:t>        var term = </a:t>
             </a:r>
             <a:r>
               <a:rPr lang="en-CA" sz="1600" b="1" dirty="0" err="1">
@@ -44830,7 +44830,7 @@
                 <a:latin typeface="Consolas" panose="020B0609020204030204" pitchFamily="49" charset="0"/>
                 <a:ea typeface="M+ 1m" panose="020B0509020203020207" pitchFamily="49" charset="-128"/>
               </a:rPr>
-              <a:t>        double </a:t>
+              <a:t>        var </a:t>
             </a:r>
             <a:r>
               <a:rPr lang="en-CA" sz="1600" b="1" dirty="0" err="1">
@@ -44858,7 +44858,7 @@
                 <a:latin typeface="Consolas" panose="020B0609020204030204" pitchFamily="49" charset="0"/>
                 <a:ea typeface="M+ 1m" panose="020B0509020203020207" pitchFamily="49" charset="-128"/>
               </a:rPr>
-              <a:t>        double result = loan * </a:t>
+              <a:t>        var result = loan * </a:t>
             </a:r>
           </a:p>
           <a:p>
@@ -44935,28 +44935,14 @@
                 <a:latin typeface="Consolas" panose="020B0609020204030204" pitchFamily="49" charset="0"/>
                 <a:ea typeface="M+ 1m" panose="020B0509020203020207" pitchFamily="49" charset="-128"/>
               </a:rPr>
-              <a:t>System.out.println</a:t>
+              <a:t>System.out.printf</a:t>
             </a:r>
             <a:r>
               <a:rPr lang="en-CA" sz="1600" b="1" dirty="0">
                 <a:latin typeface="Consolas" panose="020B0609020204030204" pitchFamily="49" charset="0"/>
                 <a:ea typeface="M+ 1m" panose="020B0509020203020207" pitchFamily="49" charset="-128"/>
               </a:rPr>
-              <a:t>("Monthly Payment: " + </a:t>
-            </a:r>
-            <a:r>
-              <a:rPr lang="en-CA" sz="1600" b="1" dirty="0" err="1">
-                <a:latin typeface="Consolas" panose="020B0609020204030204" pitchFamily="49" charset="0"/>
-                <a:ea typeface="M+ 1m" panose="020B0509020203020207" pitchFamily="49" charset="-128"/>
-              </a:rPr>
-              <a:t>String.format</a:t>
-            </a:r>
-            <a:r>
-              <a:rPr lang="en-CA" sz="1600" b="1" dirty="0">
-                <a:latin typeface="Consolas" panose="020B0609020204030204" pitchFamily="49" charset="0"/>
-                <a:ea typeface="M+ 1m" panose="020B0509020203020207" pitchFamily="49" charset="-128"/>
-              </a:rPr>
-              <a:t>("%.2f", result));</a:t>
+              <a:t>("Monthly Payment: %.2f%n", result);</a:t>
             </a:r>
           </a:p>
           <a:p>
@@ -45003,7 +44989,7 @@
         </p:nvSpPr>
         <p:spPr>
           <a:xfrm>
-            <a:off x="-16042" y="0"/>
+            <a:off x="0" y="0"/>
             <a:ext cx="1315453" cy="6858000"/>
           </a:xfrm>
           <a:prstGeom prst="rect">
@@ -45057,8 +45043,8 @@
         </p:nvSpPr>
         <p:spPr>
           <a:xfrm rot="16200000">
-            <a:off x="-1413878" y="12730"/>
-            <a:ext cx="4608871" cy="1325563"/>
+            <a:off x="-2622869" y="2919674"/>
+            <a:ext cx="6858000" cy="1018649"/>
           </a:xfrm>
           <a:prstGeom prst="rect">
             <a:avLst/>
@@ -45092,7 +45078,7 @@
                   <a:schemeClr val="bg1"/>
                 </a:solidFill>
               </a:rPr>
-              <a:t>Basic Java</a:t>
+              <a:t>Stream of Consciousness Java</a:t>
             </a:r>
           </a:p>
         </p:txBody>
@@ -45729,8 +45715,8 @@
         </p:nvSpPr>
         <p:spPr>
           <a:xfrm>
-            <a:off x="2382880" y="320152"/>
-            <a:ext cx="9504320" cy="6247864"/>
+            <a:off x="2351619" y="85691"/>
+            <a:ext cx="9504320" cy="7294305"/>
           </a:xfrm>
           <a:prstGeom prst="rect">
             <a:avLst/>
@@ -45747,14 +45733,22 @@
                 <a:latin typeface="Consolas" panose="020B0609020204030204" pitchFamily="49" charset="0"/>
                 <a:ea typeface="M+ 1m" panose="020B0509020203020207" pitchFamily="49" charset="-128"/>
               </a:rPr>
-              <a:t>import java.util.Scanner;</a:t>
+              <a:t>import </a:t>
             </a:r>
-          </a:p>
-          <a:p>
-            <a:endParaRPr lang="en-CA" sz="400" b="1" dirty="0">
-              <a:latin typeface="Consolas" panose="020B0609020204030204" pitchFamily="49" charset="0"/>
-              <a:ea typeface="M+ 1m" panose="020B0509020203020207" pitchFamily="49" charset="-128"/>
-            </a:endParaRPr>
+            <a:r>
+              <a:rPr lang="en-CA" sz="1200" b="1" dirty="0" err="1">
+                <a:latin typeface="Consolas" panose="020B0609020204030204" pitchFamily="49" charset="0"/>
+                <a:ea typeface="M+ 1m" panose="020B0509020203020207" pitchFamily="49" charset="-128"/>
+              </a:rPr>
+              <a:t>java.util.Scanner</a:t>
+            </a:r>
+            <a:r>
+              <a:rPr lang="en-CA" sz="1200" b="1" dirty="0">
+                <a:latin typeface="Consolas" panose="020B0609020204030204" pitchFamily="49" charset="0"/>
+                <a:ea typeface="M+ 1m" panose="020B0509020203020207" pitchFamily="49" charset="-128"/>
+              </a:rPr>
+              <a:t>;</a:t>
+            </a:r>
           </a:p>
           <a:p>
             <a:r>
@@ -45766,7 +45760,7 @@
             </a:r>
           </a:p>
           <a:p>
-            <a:endParaRPr lang="en-CA" sz="400" b="1" dirty="0">
+            <a:endParaRPr lang="en-CA" sz="1200" b="1" dirty="0">
               <a:latin typeface="Consolas" panose="020B0609020204030204" pitchFamily="49" charset="0"/>
               <a:ea typeface="M+ 1m" panose="020B0509020203020207" pitchFamily="49" charset="-128"/>
             </a:endParaRPr>
@@ -45791,7 +45785,21 @@
                 <a:latin typeface="Consolas" panose="020B0609020204030204" pitchFamily="49" charset="0"/>
                 <a:ea typeface="M+ 1m" panose="020B0509020203020207" pitchFamily="49" charset="-128"/>
               </a:rPr>
-              <a:t> inputData() {</a:t>
+              <a:t> </a:t>
+            </a:r>
+            <a:r>
+              <a:rPr lang="en-CA" sz="1200" b="1" dirty="0" err="1">
+                <a:latin typeface="Consolas" panose="020B0609020204030204" pitchFamily="49" charset="0"/>
+                <a:ea typeface="M+ 1m" panose="020B0509020203020207" pitchFamily="49" charset="-128"/>
+              </a:rPr>
+              <a:t>inputData</a:t>
+            </a:r>
+            <a:r>
+              <a:rPr lang="en-CA" sz="1200" b="1" dirty="0">
+                <a:latin typeface="Consolas" panose="020B0609020204030204" pitchFamily="49" charset="0"/>
+                <a:ea typeface="M+ 1m" panose="020B0509020203020207" pitchFamily="49" charset="-128"/>
+              </a:rPr>
+              <a:t>() {</a:t>
             </a:r>
           </a:p>
           <a:p>
@@ -45800,7 +45808,7 @@
                 <a:latin typeface="Consolas" panose="020B0609020204030204" pitchFamily="49" charset="0"/>
                 <a:ea typeface="M+ 1m" panose="020B0509020203020207" pitchFamily="49" charset="-128"/>
               </a:rPr>
-              <a:t>        Scanner </a:t>
+              <a:t>        var </a:t>
             </a:r>
             <a:r>
               <a:rPr lang="en-CA" sz="1200" b="1" dirty="0" err="1">
@@ -45846,7 +45854,7 @@
                 <a:latin typeface="Consolas" panose="020B0609020204030204" pitchFamily="49" charset="0"/>
                 <a:ea typeface="M+ 1m" panose="020B0509020203020207" pitchFamily="49" charset="-128"/>
               </a:rPr>
-              <a:t>        double loan = </a:t>
+              <a:t>        var loan = </a:t>
             </a:r>
             <a:r>
               <a:rPr lang="en-CA" sz="1200" b="1" dirty="0" err="1">
@@ -45892,7 +45900,7 @@
                 <a:latin typeface="Consolas" panose="020B0609020204030204" pitchFamily="49" charset="0"/>
                 <a:ea typeface="M+ 1m" panose="020B0509020203020207" pitchFamily="49" charset="-128"/>
               </a:rPr>
-              <a:t>        double interest = </a:t>
+              <a:t>        var interest = </a:t>
             </a:r>
             <a:r>
               <a:rPr lang="en-CA" sz="1200" b="1" dirty="0" err="1">
@@ -45938,7 +45946,7 @@
                 <a:latin typeface="Consolas" panose="020B0609020204030204" pitchFamily="49" charset="0"/>
                 <a:ea typeface="M+ 1m" panose="020B0509020203020207" pitchFamily="49" charset="-128"/>
               </a:rPr>
-              <a:t>        double term = </a:t>
+              <a:t>        var term = </a:t>
             </a:r>
             <a:r>
               <a:rPr lang="en-CA" sz="1200" b="1" dirty="0" err="1">
@@ -45988,7 +45996,7 @@
             </a:r>
           </a:p>
           <a:p>
-            <a:endParaRPr lang="en-CA" sz="400" b="1" dirty="0">
+            <a:endParaRPr lang="en-CA" sz="1200" b="1" dirty="0">
               <a:latin typeface="Consolas" panose="020B0609020204030204" pitchFamily="49" charset="0"/>
               <a:ea typeface="M+ 1m" panose="020B0509020203020207" pitchFamily="49" charset="-128"/>
             </a:endParaRPr>
@@ -46036,7 +46044,7 @@
                 <a:latin typeface="Consolas" panose="020B0609020204030204" pitchFamily="49" charset="0"/>
                 <a:ea typeface="M+ 1m" panose="020B0509020203020207" pitchFamily="49" charset="-128"/>
               </a:rPr>
-              <a:t>        double </a:t>
+              <a:t>        var </a:t>
             </a:r>
             <a:r>
               <a:rPr lang="en-CA" sz="1200" b="1" dirty="0" err="1">
@@ -46073,7 +46081,7 @@
                 <a:latin typeface="Consolas" panose="020B0609020204030204" pitchFamily="49" charset="0"/>
                 <a:ea typeface="M+ 1m" panose="020B0509020203020207" pitchFamily="49" charset="-128"/>
               </a:rPr>
-              <a:t>        double result = </a:t>
+              <a:t>        var result = </a:t>
             </a:r>
             <a:r>
               <a:rPr lang="en-CA" sz="1200" b="1" dirty="0" err="1">
@@ -46165,7 +46173,7 @@
             </a:r>
           </a:p>
           <a:p>
-            <a:endParaRPr lang="en-CA" sz="400" b="1" dirty="0">
+            <a:endParaRPr lang="en-CA" sz="1200" b="1" dirty="0">
               <a:latin typeface="Consolas" panose="020B0609020204030204" pitchFamily="49" charset="0"/>
               <a:ea typeface="M+ 1m" panose="020B0509020203020207" pitchFamily="49" charset="-128"/>
             </a:endParaRPr>
@@ -46206,28 +46214,14 @@
                 <a:latin typeface="Consolas" panose="020B0609020204030204" pitchFamily="49" charset="0"/>
                 <a:ea typeface="M+ 1m" panose="020B0509020203020207" pitchFamily="49" charset="-128"/>
               </a:rPr>
-              <a:t>System.out.println</a:t>
+              <a:t>System.out.printf</a:t>
             </a:r>
             <a:r>
               <a:rPr lang="en-CA" sz="1200" b="1" dirty="0">
                 <a:latin typeface="Consolas" panose="020B0609020204030204" pitchFamily="49" charset="0"/>
                 <a:ea typeface="M+ 1m" panose="020B0509020203020207" pitchFamily="49" charset="-128"/>
               </a:rPr>
-              <a:t>("Monthly Payment: " + </a:t>
-            </a:r>
-            <a:r>
-              <a:rPr lang="en-CA" sz="1200" b="1" dirty="0" err="1">
-                <a:latin typeface="Consolas" panose="020B0609020204030204" pitchFamily="49" charset="0"/>
-                <a:ea typeface="M+ 1m" panose="020B0509020203020207" pitchFamily="49" charset="-128"/>
-              </a:rPr>
-              <a:t>String.format</a:t>
-            </a:r>
-            <a:r>
-              <a:rPr lang="en-CA" sz="1200" b="1" dirty="0">
-                <a:latin typeface="Consolas" panose="020B0609020204030204" pitchFamily="49" charset="0"/>
-                <a:ea typeface="M+ 1m" panose="020B0509020203020207" pitchFamily="49" charset="-128"/>
-              </a:rPr>
-              <a:t>("%.2f", result));</a:t>
+              <a:t>("Monthly Payment: %.2f%n", result);</a:t>
             </a:r>
           </a:p>
           <a:p>
@@ -46240,7 +46234,7 @@
             </a:r>
           </a:p>
           <a:p>
-            <a:endParaRPr lang="en-CA" sz="400" b="1" dirty="0">
+            <a:endParaRPr lang="en-CA" sz="1200" b="1" dirty="0">
               <a:latin typeface="Consolas" panose="020B0609020204030204" pitchFamily="49" charset="0"/>
               <a:ea typeface="M+ 1m" panose="020B0509020203020207" pitchFamily="49" charset="-128"/>
             </a:endParaRPr>
@@ -46260,7 +46254,21 @@
                 <a:latin typeface="Consolas" panose="020B0609020204030204" pitchFamily="49" charset="0"/>
                 <a:ea typeface="M+ 1m" panose="020B0509020203020207" pitchFamily="49" charset="-128"/>
               </a:rPr>
-              <a:t>        var loan = inputData();</a:t>
+              <a:t>        var loan = </a:t>
+            </a:r>
+            <a:r>
+              <a:rPr lang="en-CA" sz="1200" b="1" dirty="0" err="1">
+                <a:latin typeface="Consolas" panose="020B0609020204030204" pitchFamily="49" charset="0"/>
+                <a:ea typeface="M+ 1m" panose="020B0509020203020207" pitchFamily="49" charset="-128"/>
+              </a:rPr>
+              <a:t>inputData</a:t>
+            </a:r>
+            <a:r>
+              <a:rPr lang="en-CA" sz="1200" b="1" dirty="0">
+                <a:latin typeface="Consolas" panose="020B0609020204030204" pitchFamily="49" charset="0"/>
+                <a:ea typeface="M+ 1m" panose="020B0509020203020207" pitchFamily="49" charset="-128"/>
+              </a:rPr>
+              <a:t>();</a:t>
             </a:r>
           </a:p>
           <a:p>
@@ -46319,7 +46327,7 @@
             </a:r>
           </a:p>
           <a:p>
-            <a:endParaRPr lang="en-CA" sz="400" b="1" dirty="0">
+            <a:endParaRPr lang="en-CA" sz="1200" b="1" dirty="0">
               <a:latin typeface="Consolas" panose="020B0609020204030204" pitchFamily="49" charset="0"/>
               <a:ea typeface="M+ 1m" panose="020B0509020203020207" pitchFamily="49" charset="-128"/>
             </a:endParaRPr>
@@ -46353,30 +46361,7 @@
                 <a:latin typeface="Consolas" panose="020B0609020204030204" pitchFamily="49" charset="0"/>
                 <a:ea typeface="M+ 1m" panose="020B0509020203020207" pitchFamily="49" charset="-128"/>
               </a:rPr>
-              <a:t>        JavaCalculator03 calc = new JavaCalculator03();</a:t>
-            </a:r>
-          </a:p>
-          <a:p>
-            <a:r>
-              <a:rPr lang="en-CA" sz="1200" b="1" dirty="0">
-                <a:latin typeface="Consolas" panose="020B0609020204030204" pitchFamily="49" charset="0"/>
-                <a:ea typeface="M+ 1m" panose="020B0509020203020207" pitchFamily="49" charset="-128"/>
-              </a:rPr>
-              <a:t>        </a:t>
-            </a:r>
-            <a:r>
-              <a:rPr lang="en-CA" sz="1200" b="1" dirty="0" err="1">
-                <a:latin typeface="Consolas" panose="020B0609020204030204" pitchFamily="49" charset="0"/>
-                <a:ea typeface="M+ 1m" panose="020B0509020203020207" pitchFamily="49" charset="-128"/>
-              </a:rPr>
-              <a:t>calc.perform</a:t>
-            </a:r>
-            <a:r>
-              <a:rPr lang="en-CA" sz="1200" b="1" dirty="0">
-                <a:latin typeface="Consolas" panose="020B0609020204030204" pitchFamily="49" charset="0"/>
-                <a:ea typeface="M+ 1m" panose="020B0509020203020207" pitchFamily="49" charset="-128"/>
-              </a:rPr>
-              <a:t>();</a:t>
+              <a:t>        new JavaCalculator03().perform();</a:t>
             </a:r>
           </a:p>
           <a:p>
@@ -46398,7 +46383,7 @@
             </a:r>
           </a:p>
           <a:p>
-            <a:endParaRPr lang="en-CA" sz="400" b="1" dirty="0">
+            <a:endParaRPr lang="en-CA" sz="1200" b="1" dirty="0">
               <a:latin typeface="Consolas" panose="020B0609020204030204" pitchFamily="49" charset="0"/>
               <a:ea typeface="M+ 1m" panose="020B0509020203020207" pitchFamily="49" charset="-128"/>
             </a:endParaRPr>
@@ -46424,6 +46409,30 @@
                 <a:ea typeface="M+ 1m" panose="020B0509020203020207" pitchFamily="49" charset="-128"/>
               </a:rPr>
               <a:t>(double loan, double interest, double term) {}</a:t>
+            </a:r>
+          </a:p>
+          <a:p>
+            <a:endParaRPr lang="en-CA" sz="1200" b="1" dirty="0">
+              <a:latin typeface="Consolas" panose="020B0609020204030204" pitchFamily="49" charset="0"/>
+              <a:ea typeface="M+ 1m" panose="020B0509020203020207" pitchFamily="49" charset="-128"/>
+            </a:endParaRPr>
+          </a:p>
+          <a:p>
+            <a:r>
+              <a:rPr lang="en-CA" sz="1200" b="1" dirty="0">
+                <a:latin typeface="Consolas" panose="020B0609020204030204" pitchFamily="49" charset="0"/>
+                <a:ea typeface="M+ 1m" panose="020B0509020203020207" pitchFamily="49" charset="-128"/>
+              </a:rPr>
+              <a:t>// Single Source File Code example</a:t>
+            </a:r>
+          </a:p>
+          <a:p>
+            <a:r>
+              <a:rPr lang="en-CA" sz="1200" b="1" dirty="0">
+                <a:latin typeface="Consolas" panose="020B0609020204030204" pitchFamily="49" charset="0"/>
+                <a:ea typeface="M+ 1m" panose="020B0509020203020207" pitchFamily="49" charset="-128"/>
+              </a:rPr>
+              <a:t>// runs with java JavaCalculator03.java</a:t>
             </a:r>
           </a:p>
         </p:txBody>
@@ -47151,7 +47160,7 @@
           </a:p>
           <a:p>
             <a:r>
-              <a:rPr lang="en-CA" sz="1200" dirty="0">
+              <a:rPr lang="en-CA" sz="1400" dirty="0">
                 <a:solidFill>
                   <a:schemeClr val="bg1"/>
                 </a:solidFill>
@@ -48692,12 +48701,6 @@
             </a:r>
             <a:endParaRPr lang="en-CA" dirty="0"/>
           </a:p>
-          <a:p>
-            <a:endParaRPr lang="en-CA" dirty="0"/>
-          </a:p>
-          <a:p>
-            <a:endParaRPr lang="en-CA" dirty="0"/>
-          </a:p>
         </p:txBody>
       </p:sp>
       <p:sp>
@@ -48992,27 +48995,7 @@
                 <a:effectLst/>
                 <a:latin typeface="proxima-nova"/>
               </a:rPr>
-              <a:t>Have you seen Single-File Source-Code and under Linux have you tried </a:t>
-            </a:r>
-            <a:r>
-              <a:rPr lang="en-CA" sz="2800" b="1" i="1" dirty="0">
-                <a:solidFill>
-                  <a:srgbClr val="444444"/>
-                </a:solidFill>
-                <a:effectLst/>
-                <a:latin typeface="proxima-nova"/>
-              </a:rPr>
-              <a:t>shebang</a:t>
-            </a:r>
-            <a:r>
-              <a:rPr lang="en-CA" sz="2800" b="0" i="1" dirty="0">
-                <a:solidFill>
-                  <a:srgbClr val="444444"/>
-                </a:solidFill>
-                <a:effectLst/>
-                <a:latin typeface="proxima-nova"/>
-              </a:rPr>
-              <a:t> execution?</a:t>
+              <a:t>Have you seen Single-File Source-Code and under Linux have you tried shebang execution?</a:t>
             </a:r>
           </a:p>
           <a:p>
@@ -49321,7 +49304,15 @@
             </a:r>
             <a:r>
               <a:rPr lang="en-CA" dirty="0"/>
-              <a:t>. In C this is a bit easier, but then you will be hit in the face with explicit memory management. In </a:t>
+              <a:t>. In </a:t>
+            </a:r>
+            <a:r>
+              <a:rPr lang="en-CA" b="1" dirty="0"/>
+              <a:t>C this is a bit easier</a:t>
+            </a:r>
+            <a:r>
+              <a:rPr lang="en-CA" dirty="0"/>
+              <a:t>, but then you will be hit in the face with explicit memory management. In </a:t>
             </a:r>
             <a:r>
               <a:rPr lang="en-CA" b="1" dirty="0"/>
@@ -49801,11 +49792,17 @@
           <p:cNvGraphicFramePr>
             <a:graphicFrameLocks noGrp="1"/>
           </p:cNvGraphicFramePr>
-          <p:nvPr/>
+          <p:nvPr>
+            <p:extLst>
+              <p:ext uri="{D42A27DB-BD31-4B8C-83A1-F6EECF244321}">
+                <p14:modId xmlns:p14="http://schemas.microsoft.com/office/powerpoint/2010/main" val="1087310203"/>
+              </p:ext>
+            </p:extLst>
+          </p:nvPr>
         </p:nvGraphicFramePr>
         <p:xfrm>
           <a:off x="4336285" y="1231842"/>
-          <a:ext cx="7741644" cy="4394316"/>
+          <a:ext cx="6451370" cy="4394316"/>
         </p:xfrm>
         <a:graphic>
           <a:graphicData uri="http://schemas.openxmlformats.org/drawingml/2006/table">
@@ -49823,13 +49820,6 @@
                   <a:extLst>
                     <a:ext uri="{9D8B030D-6E8A-4147-A177-3AD203B41FA5}">
                       <a16:colId xmlns:a16="http://schemas.microsoft.com/office/drawing/2014/main" val="3482469429"/>
-                    </a:ext>
-                  </a:extLst>
-                </a:gridCol>
-                <a:gridCol w="1290274">
-                  <a:extLst>
-                    <a:ext uri="{9D8B030D-6E8A-4147-A177-3AD203B41FA5}">
-                      <a16:colId xmlns:a16="http://schemas.microsoft.com/office/drawing/2014/main" val="471046904"/>
                     </a:ext>
                   </a:extLst>
                 </a:gridCol>
@@ -49902,41 +49892,6 @@
                           <a:effectLst/>
                         </a:rPr>
                         <a:t>Jul 2019</a:t>
-                      </a:r>
-                    </a:p>
-                  </a:txBody>
-                  <a:tcPr marL="66738" marR="66738" marT="66738" marB="66738" anchor="b">
-                    <a:lnL>
-                      <a:noFill/>
-                    </a:lnL>
-                    <a:lnR>
-                      <a:noFill/>
-                    </a:lnR>
-                    <a:lnT>
-                      <a:noFill/>
-                    </a:lnT>
-                    <a:lnB w="19050" cap="flat" cmpd="sng" algn="ctr">
-                      <a:solidFill>
-                        <a:srgbClr val="DDDDDD"/>
-                      </a:solidFill>
-                      <a:prstDash val="solid"/>
-                      <a:round/>
-                      <a:headEnd type="none" w="med" len="med"/>
-                      <a:tailEnd type="none" w="med" len="med"/>
-                    </a:lnB>
-                  </a:tcPr>
-                </a:tc>
-                <a:tc>
-                  <a:txBody>
-                    <a:bodyPr/>
-                    <a:lstStyle/>
-                    <a:p>
-                      <a:pPr algn="l" fontAlgn="b"/>
-                      <a:r>
-                        <a:rPr lang="en-CA" sz="1600">
-                          <a:effectLst/>
-                        </a:rPr>
-                        <a:t>Change</a:t>
                       </a:r>
                     </a:p>
                   </a:txBody>
@@ -50129,47 +50084,6 @@
                         </a:rPr>
                         <a:t>2</a:t>
                       </a:r>
-                    </a:p>
-                  </a:txBody>
-                  <a:tcPr marL="66738" marR="66738" marT="66738" marB="66738">
-                    <a:lnL>
-                      <a:noFill/>
-                    </a:lnL>
-                    <a:lnR>
-                      <a:noFill/>
-                    </a:lnR>
-                    <a:lnT w="19050" cap="flat" cmpd="sng" algn="ctr">
-                      <a:solidFill>
-                        <a:srgbClr val="DDDDDD"/>
-                      </a:solidFill>
-                      <a:prstDash val="solid"/>
-                      <a:round/>
-                      <a:headEnd type="none" w="med" len="med"/>
-                      <a:tailEnd type="none" w="med" len="med"/>
-                    </a:lnT>
-                    <a:lnB w="9525" cap="flat" cmpd="sng" algn="ctr">
-                      <a:solidFill>
-                        <a:srgbClr val="DDDDDD"/>
-                      </a:solidFill>
-                      <a:prstDash val="solid"/>
-                      <a:round/>
-                      <a:headEnd type="none" w="med" len="med"/>
-                      <a:tailEnd type="none" w="med" len="med"/>
-                    </a:lnB>
-                    <a:solidFill>
-                      <a:srgbClr val="F9F9F9"/>
-                    </a:solidFill>
-                  </a:tcPr>
-                </a:tc>
-                <a:tc>
-                  <a:txBody>
-                    <a:bodyPr/>
-                    <a:lstStyle/>
-                    <a:p>
-                      <a:pPr algn="l" fontAlgn="t"/>
-                      <a:endParaRPr lang="en-CA" sz="1600">
-                        <a:effectLst/>
-                      </a:endParaRPr>
                     </a:p>
                   </a:txBody>
                   <a:tcPr marL="66738" marR="66738" marT="66738" marB="66738">
@@ -50429,44 +50343,6 @@
                     <a:lstStyle/>
                     <a:p>
                       <a:pPr fontAlgn="t"/>
-                      <a:endParaRPr lang="en-CA" sz="1600">
-                        <a:effectLst/>
-                      </a:endParaRPr>
-                    </a:p>
-                  </a:txBody>
-                  <a:tcPr marL="66738" marR="66738" marT="66738" marB="66738">
-                    <a:lnL>
-                      <a:noFill/>
-                    </a:lnL>
-                    <a:lnR>
-                      <a:noFill/>
-                    </a:lnR>
-                    <a:lnT w="9525" cap="flat" cmpd="sng" algn="ctr">
-                      <a:solidFill>
-                        <a:srgbClr val="DDDDDD"/>
-                      </a:solidFill>
-                      <a:prstDash val="solid"/>
-                      <a:round/>
-                      <a:headEnd type="none" w="med" len="med"/>
-                      <a:tailEnd type="none" w="med" len="med"/>
-                    </a:lnT>
-                    <a:lnB w="9525" cap="flat" cmpd="sng" algn="ctr">
-                      <a:solidFill>
-                        <a:srgbClr val="DDDDDD"/>
-                      </a:solidFill>
-                      <a:prstDash val="solid"/>
-                      <a:round/>
-                      <a:headEnd type="none" w="med" len="med"/>
-                      <a:tailEnd type="none" w="med" len="med"/>
-                    </a:lnB>
-                  </a:tcPr>
-                </a:tc>
-                <a:tc>
-                  <a:txBody>
-                    <a:bodyPr/>
-                    <a:lstStyle/>
-                    <a:p>
-                      <a:pPr fontAlgn="t"/>
                       <a:r>
                         <a:rPr lang="en-CA" sz="1600">
                           <a:effectLst/>
@@ -50647,47 +50523,6 @@
                         </a:rPr>
                         <a:t>3</a:t>
                       </a:r>
-                    </a:p>
-                  </a:txBody>
-                  <a:tcPr marL="66738" marR="66738" marT="66738" marB="66738">
-                    <a:lnL>
-                      <a:noFill/>
-                    </a:lnL>
-                    <a:lnR>
-                      <a:noFill/>
-                    </a:lnR>
-                    <a:lnT w="9525" cap="flat" cmpd="sng" algn="ctr">
-                      <a:solidFill>
-                        <a:srgbClr val="DDDDDD"/>
-                      </a:solidFill>
-                      <a:prstDash val="solid"/>
-                      <a:round/>
-                      <a:headEnd type="none" w="med" len="med"/>
-                      <a:tailEnd type="none" w="med" len="med"/>
-                    </a:lnT>
-                    <a:lnB w="9525" cap="flat" cmpd="sng" algn="ctr">
-                      <a:solidFill>
-                        <a:srgbClr val="DDDDDD"/>
-                      </a:solidFill>
-                      <a:prstDash val="solid"/>
-                      <a:round/>
-                      <a:headEnd type="none" w="med" len="med"/>
-                      <a:tailEnd type="none" w="med" len="med"/>
-                    </a:lnB>
-                    <a:solidFill>
-                      <a:srgbClr val="F9F9F9"/>
-                    </a:solidFill>
-                  </a:tcPr>
-                </a:tc>
-                <a:tc>
-                  <a:txBody>
-                    <a:bodyPr/>
-                    <a:lstStyle/>
-                    <a:p>
-                      <a:pPr algn="l" fontAlgn="t"/>
-                      <a:endParaRPr lang="en-CA" sz="1600">
-                        <a:effectLst/>
-                      </a:endParaRPr>
                     </a:p>
                   </a:txBody>
                   <a:tcPr marL="66738" marR="66738" marT="66738" marB="66738">
@@ -50947,44 +50782,6 @@
                     <a:lstStyle/>
                     <a:p>
                       <a:pPr fontAlgn="t"/>
-                      <a:endParaRPr lang="en-CA" sz="1600" dirty="0">
-                        <a:effectLst/>
-                      </a:endParaRPr>
-                    </a:p>
-                  </a:txBody>
-                  <a:tcPr marL="66738" marR="66738" marT="66738" marB="66738">
-                    <a:lnL>
-                      <a:noFill/>
-                    </a:lnL>
-                    <a:lnR>
-                      <a:noFill/>
-                    </a:lnR>
-                    <a:lnT w="9525" cap="flat" cmpd="sng" algn="ctr">
-                      <a:solidFill>
-                        <a:srgbClr val="DDDDDD"/>
-                      </a:solidFill>
-                      <a:prstDash val="solid"/>
-                      <a:round/>
-                      <a:headEnd type="none" w="med" len="med"/>
-                      <a:tailEnd type="none" w="med" len="med"/>
-                    </a:lnT>
-                    <a:lnB w="9525" cap="flat" cmpd="sng" algn="ctr">
-                      <a:solidFill>
-                        <a:srgbClr val="DDDDDD"/>
-                      </a:solidFill>
-                      <a:prstDash val="solid"/>
-                      <a:round/>
-                      <a:headEnd type="none" w="med" len="med"/>
-                      <a:tailEnd type="none" w="med" len="med"/>
-                    </a:lnB>
-                  </a:tcPr>
-                </a:tc>
-                <a:tc>
-                  <a:txBody>
-                    <a:bodyPr/>
-                    <a:lstStyle/>
-                    <a:p>
-                      <a:pPr fontAlgn="t"/>
                       <a:r>
                         <a:rPr lang="en-CA" sz="1600">
                           <a:effectLst/>
@@ -51165,47 +50962,6 @@
                         </a:rPr>
                         <a:t>5</a:t>
                       </a:r>
-                    </a:p>
-                  </a:txBody>
-                  <a:tcPr marL="66738" marR="66738" marT="66738" marB="66738">
-                    <a:lnL>
-                      <a:noFill/>
-                    </a:lnL>
-                    <a:lnR>
-                      <a:noFill/>
-                    </a:lnR>
-                    <a:lnT w="9525" cap="flat" cmpd="sng" algn="ctr">
-                      <a:solidFill>
-                        <a:srgbClr val="DDDDDD"/>
-                      </a:solidFill>
-                      <a:prstDash val="solid"/>
-                      <a:round/>
-                      <a:headEnd type="none" w="med" len="med"/>
-                      <a:tailEnd type="none" w="med" len="med"/>
-                    </a:lnT>
-                    <a:lnB w="9525" cap="flat" cmpd="sng" algn="ctr">
-                      <a:solidFill>
-                        <a:srgbClr val="DDDDDD"/>
-                      </a:solidFill>
-                      <a:prstDash val="solid"/>
-                      <a:round/>
-                      <a:headEnd type="none" w="med" len="med"/>
-                      <a:tailEnd type="none" w="med" len="med"/>
-                    </a:lnB>
-                    <a:solidFill>
-                      <a:srgbClr val="F9F9F9"/>
-                    </a:solidFill>
-                  </a:tcPr>
-                </a:tc>
-                <a:tc>
-                  <a:txBody>
-                    <a:bodyPr/>
-                    <a:lstStyle/>
-                    <a:p>
-                      <a:pPr algn="l" fontAlgn="t"/>
-                      <a:endParaRPr lang="en-CA" sz="1600" dirty="0">
-                        <a:effectLst/>
-                      </a:endParaRPr>
                     </a:p>
                   </a:txBody>
                   <a:tcPr marL="66738" marR="66738" marT="66738" marB="66738">
@@ -51465,44 +51221,6 @@
                     <a:lstStyle/>
                     <a:p>
                       <a:pPr fontAlgn="t"/>
-                      <a:endParaRPr lang="en-CA" sz="1600">
-                        <a:effectLst/>
-                      </a:endParaRPr>
-                    </a:p>
-                  </a:txBody>
-                  <a:tcPr marL="66738" marR="66738" marT="66738" marB="66738">
-                    <a:lnL>
-                      <a:noFill/>
-                    </a:lnL>
-                    <a:lnR>
-                      <a:noFill/>
-                    </a:lnR>
-                    <a:lnT w="9525" cap="flat" cmpd="sng" algn="ctr">
-                      <a:solidFill>
-                        <a:srgbClr val="DDDDDD"/>
-                      </a:solidFill>
-                      <a:prstDash val="solid"/>
-                      <a:round/>
-                      <a:headEnd type="none" w="med" len="med"/>
-                      <a:tailEnd type="none" w="med" len="med"/>
-                    </a:lnT>
-                    <a:lnB w="9525" cap="flat" cmpd="sng" algn="ctr">
-                      <a:solidFill>
-                        <a:srgbClr val="DDDDDD"/>
-                      </a:solidFill>
-                      <a:prstDash val="solid"/>
-                      <a:round/>
-                      <a:headEnd type="none" w="med" len="med"/>
-                      <a:tailEnd type="none" w="med" len="med"/>
-                    </a:lnB>
-                  </a:tcPr>
-                </a:tc>
-                <a:tc>
-                  <a:txBody>
-                    <a:bodyPr/>
-                    <a:lstStyle/>
-                    <a:p>
-                      <a:pPr fontAlgn="t"/>
                       <a:r>
                         <a:rPr lang="en-CA" sz="1600">
                           <a:effectLst/>
@@ -51683,47 +51401,6 @@
                         </a:rPr>
                         <a:t>7</a:t>
                       </a:r>
-                    </a:p>
-                  </a:txBody>
-                  <a:tcPr marL="66738" marR="66738" marT="66738" marB="66738">
-                    <a:lnL>
-                      <a:noFill/>
-                    </a:lnL>
-                    <a:lnR>
-                      <a:noFill/>
-                    </a:lnR>
-                    <a:lnT w="9525" cap="flat" cmpd="sng" algn="ctr">
-                      <a:solidFill>
-                        <a:srgbClr val="DDDDDD"/>
-                      </a:solidFill>
-                      <a:prstDash val="solid"/>
-                      <a:round/>
-                      <a:headEnd type="none" w="med" len="med"/>
-                      <a:tailEnd type="none" w="med" len="med"/>
-                    </a:lnT>
-                    <a:lnB w="9525" cap="flat" cmpd="sng" algn="ctr">
-                      <a:solidFill>
-                        <a:srgbClr val="DDDDDD"/>
-                      </a:solidFill>
-                      <a:prstDash val="solid"/>
-                      <a:round/>
-                      <a:headEnd type="none" w="med" len="med"/>
-                      <a:tailEnd type="none" w="med" len="med"/>
-                    </a:lnB>
-                    <a:solidFill>
-                      <a:srgbClr val="F9F9F9"/>
-                    </a:solidFill>
-                  </a:tcPr>
-                </a:tc>
-                <a:tc>
-                  <a:txBody>
-                    <a:bodyPr/>
-                    <a:lstStyle/>
-                    <a:p>
-                      <a:pPr algn="l" fontAlgn="t"/>
-                      <a:endParaRPr lang="en-CA" sz="1600">
-                        <a:effectLst/>
-                      </a:endParaRPr>
                     </a:p>
                   </a:txBody>
                   <a:tcPr marL="66738" marR="66738" marT="66738" marB="66738">
@@ -51983,44 +51660,6 @@
                     <a:lstStyle/>
                     <a:p>
                       <a:pPr fontAlgn="t"/>
-                      <a:endParaRPr lang="en-CA" sz="1600">
-                        <a:effectLst/>
-                      </a:endParaRPr>
-                    </a:p>
-                  </a:txBody>
-                  <a:tcPr marL="66738" marR="66738" marT="66738" marB="66738">
-                    <a:lnL>
-                      <a:noFill/>
-                    </a:lnL>
-                    <a:lnR>
-                      <a:noFill/>
-                    </a:lnR>
-                    <a:lnT w="9525" cap="flat" cmpd="sng" algn="ctr">
-                      <a:solidFill>
-                        <a:srgbClr val="DDDDDD"/>
-                      </a:solidFill>
-                      <a:prstDash val="solid"/>
-                      <a:round/>
-                      <a:headEnd type="none" w="med" len="med"/>
-                      <a:tailEnd type="none" w="med" len="med"/>
-                    </a:lnT>
-                    <a:lnB w="9525" cap="flat" cmpd="sng" algn="ctr">
-                      <a:solidFill>
-                        <a:srgbClr val="DDDDDD"/>
-                      </a:solidFill>
-                      <a:prstDash val="solid"/>
-                      <a:round/>
-                      <a:headEnd type="none" w="med" len="med"/>
-                      <a:tailEnd type="none" w="med" len="med"/>
-                    </a:lnB>
-                  </a:tcPr>
-                </a:tc>
-                <a:tc>
-                  <a:txBody>
-                    <a:bodyPr/>
-                    <a:lstStyle/>
-                    <a:p>
-                      <a:pPr fontAlgn="t"/>
                       <a:r>
                         <a:rPr lang="en-CA" sz="1600">
                           <a:effectLst/>
@@ -52201,47 +51840,6 @@
                         </a:rPr>
                         <a:t>8</a:t>
                       </a:r>
-                    </a:p>
-                  </a:txBody>
-                  <a:tcPr marL="66738" marR="66738" marT="66738" marB="66738">
-                    <a:lnL>
-                      <a:noFill/>
-                    </a:lnL>
-                    <a:lnR>
-                      <a:noFill/>
-                    </a:lnR>
-                    <a:lnT w="9525" cap="flat" cmpd="sng" algn="ctr">
-                      <a:solidFill>
-                        <a:srgbClr val="DDDDDD"/>
-                      </a:solidFill>
-                      <a:prstDash val="solid"/>
-                      <a:round/>
-                      <a:headEnd type="none" w="med" len="med"/>
-                      <a:tailEnd type="none" w="med" len="med"/>
-                    </a:lnT>
-                    <a:lnB w="9525" cap="flat" cmpd="sng" algn="ctr">
-                      <a:solidFill>
-                        <a:srgbClr val="DDDDDD"/>
-                      </a:solidFill>
-                      <a:prstDash val="solid"/>
-                      <a:round/>
-                      <a:headEnd type="none" w="med" len="med"/>
-                      <a:tailEnd type="none" w="med" len="med"/>
-                    </a:lnB>
-                    <a:solidFill>
-                      <a:srgbClr val="F9F9F9"/>
-                    </a:solidFill>
-                  </a:tcPr>
-                </a:tc>
-                <a:tc>
-                  <a:txBody>
-                    <a:bodyPr/>
-                    <a:lstStyle/>
-                    <a:p>
-                      <a:pPr algn="l" fontAlgn="t"/>
-                      <a:endParaRPr lang="en-CA" sz="1600">
-                        <a:effectLst/>
-                      </a:endParaRPr>
                     </a:p>
                   </a:txBody>
                   <a:tcPr marL="66738" marR="66738" marT="66738" marB="66738">
@@ -52501,46 +52099,8 @@
                     <a:lstStyle/>
                     <a:p>
                       <a:pPr fontAlgn="t"/>
-                      <a:endParaRPr lang="en-CA" sz="1600">
-                        <a:effectLst/>
-                      </a:endParaRPr>
-                    </a:p>
-                  </a:txBody>
-                  <a:tcPr marL="66738" marR="66738" marT="66738" marB="66738">
-                    <a:lnL>
-                      <a:noFill/>
-                    </a:lnL>
-                    <a:lnR>
-                      <a:noFill/>
-                    </a:lnR>
-                    <a:lnT w="9525" cap="flat" cmpd="sng" algn="ctr">
-                      <a:solidFill>
-                        <a:srgbClr val="DDDDDD"/>
-                      </a:solidFill>
-                      <a:prstDash val="solid"/>
-                      <a:round/>
-                      <a:headEnd type="none" w="med" len="med"/>
-                      <a:tailEnd type="none" w="med" len="med"/>
-                    </a:lnT>
-                    <a:lnB w="9525" cap="flat" cmpd="sng" algn="ctr">
-                      <a:solidFill>
-                        <a:srgbClr val="DDDDDD"/>
-                      </a:solidFill>
-                      <a:prstDash val="solid"/>
-                      <a:round/>
-                      <a:headEnd type="none" w="med" len="med"/>
-                      <a:tailEnd type="none" w="med" len="med"/>
-                    </a:lnB>
-                  </a:tcPr>
-                </a:tc>
-                <a:tc>
-                  <a:txBody>
-                    <a:bodyPr/>
-                    <a:lstStyle/>
-                    <a:p>
-                      <a:pPr fontAlgn="t"/>
                       <a:r>
-                        <a:rPr lang="en-CA" sz="1600">
+                        <a:rPr lang="en-CA" sz="1600" dirty="0">
                           <a:effectLst/>
                         </a:rPr>
                         <a:t>Swift</a:t>
@@ -52726,13 +52286,13 @@
         </p:nvSpPr>
         <p:spPr>
           <a:xfrm>
-            <a:off x="4379709" y="437894"/>
-            <a:ext cx="7037591" cy="5961185"/>
+            <a:off x="4379709" y="215153"/>
+            <a:ext cx="7037591" cy="6468035"/>
           </a:xfrm>
         </p:spPr>
         <p:txBody>
           <a:bodyPr anchor="ctr">
-            <a:normAutofit fontScale="92500" lnSpcReduction="10000"/>
+            <a:normAutofit lnSpcReduction="10000"/>
           </a:bodyPr>
           <a:lstStyle/>
           <a:p>
